--- a/documentation/Presentation/Team 31 Presentation.pptx
+++ b/documentation/Presentation/Team 31 Presentation.pptx
@@ -2934,7 +2934,7 @@
           </a:ln>
           <a:extLst>
             <a:ext uri="{C572A759-6A51-4108-AA02-DFA0A04FC94B}">
-              <ma14:wrappingTextBoxFlag xmlns:ma14="http://schemas.microsoft.com/office/mac/drawingml/2011/main" xmlns:a14="http://schemas.microsoft.com/office/drawing/2010/main" xmlns:m="http://schemas.openxmlformats.org/officeDocument/2006/math" xmlns="" val="1"/>
+              <ma14:wrappingTextBoxFlag xmlns="" xmlns:m="http://schemas.openxmlformats.org/officeDocument/2006/math" xmlns:a14="http://schemas.microsoft.com/office/drawing/2010/main" xmlns:ma14="http://schemas.microsoft.com/office/mac/drawingml/2011/main" val="1"/>
             </a:ext>
           </a:extLst>
         </p:spPr>
@@ -2973,7 +2973,7 @@
           </a:ln>
           <a:extLst>
             <a:ext uri="{C572A759-6A51-4108-AA02-DFA0A04FC94B}">
-              <ma14:wrappingTextBoxFlag xmlns:ma14="http://schemas.microsoft.com/office/mac/drawingml/2011/main" xmlns:a14="http://schemas.microsoft.com/office/drawing/2010/main" xmlns:m="http://schemas.openxmlformats.org/officeDocument/2006/math" xmlns="" val="1"/>
+              <ma14:wrappingTextBoxFlag xmlns="" xmlns:m="http://schemas.openxmlformats.org/officeDocument/2006/math" xmlns:a14="http://schemas.microsoft.com/office/drawing/2010/main" xmlns:ma14="http://schemas.microsoft.com/office/mac/drawingml/2011/main" val="1"/>
             </a:ext>
           </a:extLst>
         </p:spPr>
@@ -3926,7 +3926,7 @@
         </p:nvSpPr>
         <p:spPr>
           <a:xfrm>
-            <a:off x="4037533" y="3212758"/>
+            <a:off x="4200093" y="2524352"/>
             <a:ext cx="4927601" cy="989288"/>
           </a:xfrm>
           <a:prstGeom prst="rect">
@@ -3966,7 +3966,7 @@
           </a:ln>
           <a:extLst>
             <a:ext uri="{C572A759-6A51-4108-AA02-DFA0A04FC94B}">
-              <ma14:wrappingTextBoxFlag xmlns:ma14="http://schemas.microsoft.com/office/mac/drawingml/2011/main" xmlns:a14="http://schemas.microsoft.com/office/drawing/2010/main" xmlns:m="http://schemas.openxmlformats.org/officeDocument/2006/math" xmlns="" val="1"/>
+              <ma14:wrappingTextBoxFlag xmlns="" xmlns:m="http://schemas.openxmlformats.org/officeDocument/2006/math" xmlns:a14="http://schemas.microsoft.com/office/drawing/2010/main" xmlns:ma14="http://schemas.microsoft.com/office/mac/drawingml/2011/main" val="1"/>
             </a:ext>
           </a:extLst>
         </p:spPr>
@@ -4070,7 +4070,7 @@
           </a:ln>
           <a:extLst>
             <a:ext uri="{C572A759-6A51-4108-AA02-DFA0A04FC94B}">
-              <ma14:wrappingTextBoxFlag xmlns:ma14="http://schemas.microsoft.com/office/mac/drawingml/2011/main" xmlns:a14="http://schemas.microsoft.com/office/drawing/2010/main" xmlns:m="http://schemas.openxmlformats.org/officeDocument/2006/math" xmlns="" val="1"/>
+              <ma14:wrappingTextBoxFlag xmlns="" xmlns:m="http://schemas.openxmlformats.org/officeDocument/2006/math" xmlns:a14="http://schemas.microsoft.com/office/drawing/2010/main" xmlns:ma14="http://schemas.microsoft.com/office/mac/drawingml/2011/main" val="1"/>
             </a:ext>
           </a:extLst>
         </p:spPr>
@@ -4355,8 +4355,13 @@
             <a:pPr hangingPunct="1"/>
             <a:r>
               <a:rPr lang="en-US" sz="4400" dirty="0"/>
-              <a:t>Team 31- PGSSP ML TECHNIES</a:t>
-            </a:r>
+              <a:t>Team 31- PGSSP ML </a:t>
+            </a:r>
+            <a:r>
+              <a:rPr lang="en-US" sz="4400" dirty="0" smtClean="0"/>
+              <a:t>TECHIES</a:t>
+            </a:r>
+            <a:endParaRPr lang="en-US" sz="4400" dirty="0"/>
           </a:p>
           <a:p>
             <a:pPr hangingPunct="1"/>
@@ -4365,8 +4370,12 @@
               <a:t>Project guide : Satyam </a:t>
             </a:r>
             <a:r>
-              <a:rPr lang="en-IN" sz="4400" dirty="0" err="1"/>
-              <a:t>mittal</a:t>
+              <a:rPr lang="en-IN" sz="4400" dirty="0"/>
+              <a:t>M</a:t>
+            </a:r>
+            <a:r>
+              <a:rPr lang="en-IN" sz="4400" dirty="0" smtClean="0"/>
+              <a:t>ittal</a:t>
             </a:r>
             <a:endParaRPr lang="en-IN" sz="4400" dirty="0"/>
           </a:p>
@@ -4465,7 +4474,7 @@
         </p:spPr>
         <p:txBody>
           <a:bodyPr>
-            <a:normAutofit fontScale="85000" lnSpcReduction="20000"/>
+            <a:normAutofit fontScale="77500" lnSpcReduction="20000"/>
           </a:bodyPr>
           <a:lstStyle/>
           <a:p>
@@ -4834,7 +4843,7 @@
         </p:spPr>
         <p:txBody>
           <a:bodyPr>
-            <a:normAutofit/>
+            <a:normAutofit lnSpcReduction="10000"/>
           </a:bodyPr>
           <a:lstStyle/>
           <a:p>
@@ -5040,7 +5049,7 @@
           </a:ln>
           <a:extLst>
             <a:ext uri="{C572A759-6A51-4108-AA02-DFA0A04FC94B}">
-              <ma14:wrappingTextBoxFlag xmlns:ma14="http://schemas.microsoft.com/office/mac/drawingml/2011/main" xmlns:a14="http://schemas.microsoft.com/office/drawing/2010/main" xmlns:m="http://schemas.openxmlformats.org/officeDocument/2006/math" xmlns="" val="1"/>
+              <ma14:wrappingTextBoxFlag xmlns="" xmlns:m="http://schemas.openxmlformats.org/officeDocument/2006/math" xmlns:a14="http://schemas.microsoft.com/office/drawing/2010/main" xmlns:ma14="http://schemas.microsoft.com/office/mac/drawingml/2011/main" val="1"/>
             </a:ext>
           </a:extLst>
         </p:spPr>
@@ -5135,7 +5144,19 @@
             </a:pPr>
             <a:r>
               <a:rPr lang="en-US" dirty="0"/>
-              <a:t>Predicting movie taglines can be achieved through the approach of context tagline. In this model, we have used sequence to sequence attention model. This method utilizes an attention model for predicting each word of the tagline conditioned on the movie plot.  While the model is structurally simple, it can easily be trained end to end and scales to large amount of training data.  We apply our model to the IMDB movies dataset. We evaluate the predicted tagline using standard metrics like ROGUE score, showing that model can encode texts  in a way that preserve its syntactic and semantic coherence.</a:t>
+              <a:t>Predicting movie taglines from the context of movie plot </a:t>
+            </a:r>
+            <a:r>
+              <a:rPr lang="en-US" dirty="0" smtClean="0"/>
+              <a:t>synopsis. </a:t>
+            </a:r>
+            <a:r>
+              <a:rPr lang="en-US" dirty="0" smtClean="0"/>
+              <a:t>In </a:t>
+            </a:r>
+            <a:r>
+              <a:rPr lang="en-US" dirty="0"/>
+              <a:t>this model, we have used sequence to sequence attention model. This method utilizes an attention model for predicting each word of the tagline conditioned on the movie plot.  While the model is structurally simple, it can easily be trained end to end and scales to large amount of training data.  We apply our model to the IMDB movies dataset. We evaluate the predicted tagline using standard metrics like ROGUE score, showing that model can encode texts  in a way that preserve its syntactic and semantic coherence.</a:t>
             </a:r>
             <a:endParaRPr dirty="0"/>
           </a:p>
@@ -5214,7 +5235,9 @@
         </p:nvSpPr>
         <p:spPr/>
         <p:txBody>
-          <a:bodyPr/>
+          <a:bodyPr>
+            <a:normAutofit lnSpcReduction="10000"/>
+          </a:bodyPr>
           <a:lstStyle/>
           <a:p>
             <a:r>
@@ -5609,12 +5632,12 @@
               <a:t>There is always possibility of getting a Unknown word which is not part of word embedding matrix which we created.  </a:t>
             </a:r>
             <a:r>
-              <a:rPr lang="en-IN" sz="3600" dirty="0" err="1"/>
-              <a:t>i.e</a:t>
+              <a:rPr lang="en-IN" sz="3600" dirty="0" smtClean="0"/>
+              <a:t>i.e. </a:t>
             </a:r>
             <a:r>
               <a:rPr lang="en-IN" sz="3600" dirty="0"/>
-              <a:t> Out of Vocabulary Words</a:t>
+              <a:t>Out of Vocabulary Words</a:t>
             </a:r>
           </a:p>
           <a:p>
@@ -5624,23 +5647,7 @@
             </a:pPr>
             <a:r>
               <a:rPr lang="en-IN" sz="3600" dirty="0"/>
-              <a:t>Examples : Name of Characters in the movie  like </a:t>
-            </a:r>
-            <a:r>
-              <a:rPr lang="en-IN" sz="3600" dirty="0" err="1"/>
-              <a:t>Sivagami</a:t>
-            </a:r>
-            <a:r>
-              <a:rPr lang="en-IN" sz="3600" dirty="0"/>
-              <a:t>, </a:t>
-            </a:r>
-            <a:r>
-              <a:rPr lang="en-IN" sz="3600" dirty="0" err="1"/>
-              <a:t>Baahubali</a:t>
-            </a:r>
-            <a:r>
-              <a:rPr lang="en-IN" sz="3600" dirty="0"/>
-              <a:t> etc.</a:t>
+              <a:t>Examples : Name of Characters in the movie  like Sivagami, Baahubali etc.</a:t>
             </a:r>
           </a:p>
         </p:txBody>
@@ -5960,7 +5967,7 @@
         </p:spPr>
         <p:txBody>
           <a:bodyPr>
-            <a:normAutofit fontScale="92500" lnSpcReduction="20000"/>
+            <a:normAutofit fontScale="85000" lnSpcReduction="20000"/>
           </a:bodyPr>
           <a:lstStyle/>
           <a:p>
@@ -5976,12 +5983,8 @@
               </a:spcBef>
             </a:pPr>
             <a:r>
-              <a:rPr lang="en-IN" dirty="0" err="1"/>
-              <a:t>Numberbatch</a:t>
-            </a:r>
-            <a:r>
               <a:rPr lang="en-IN" dirty="0"/>
-              <a:t> word embedding* is built on:</a:t>
+              <a:t>Numberbatch word embedding* is built on:</a:t>
             </a:r>
           </a:p>
           <a:p>
@@ -5992,15 +5995,7 @@
             </a:pPr>
             <a:r>
               <a:rPr lang="en-IN" sz="3500" dirty="0"/>
-              <a:t>    </a:t>
-            </a:r>
-            <a:r>
-              <a:rPr lang="en-IN" sz="3500" dirty="0" err="1"/>
-              <a:t>ConceptNet</a:t>
-            </a:r>
-            <a:r>
-              <a:rPr lang="en-IN" sz="3500" dirty="0"/>
-              <a:t> 5.5, </a:t>
+              <a:t>    ConceptNet 5.5, </a:t>
             </a:r>
           </a:p>
           <a:p>
@@ -6011,15 +6006,7 @@
             </a:pPr>
             <a:r>
               <a:rPr lang="en-IN" sz="3500" dirty="0"/>
-              <a:t>    </a:t>
-            </a:r>
-            <a:r>
-              <a:rPr lang="en-IN" sz="3500" dirty="0" err="1"/>
-              <a:t>GloVe</a:t>
-            </a:r>
-            <a:r>
-              <a:rPr lang="en-IN" sz="3500" dirty="0"/>
-              <a:t>, </a:t>
+              <a:t>    GloVe, </a:t>
             </a:r>
           </a:p>
           <a:p>
@@ -6041,15 +6028,7 @@
             </a:pPr>
             <a:r>
               <a:rPr lang="en-IN" sz="3500" dirty="0"/>
-              <a:t>    Parallel text from </a:t>
-            </a:r>
-            <a:r>
-              <a:rPr lang="en-IN" sz="3500" dirty="0" err="1"/>
-              <a:t>OpenSubtitles</a:t>
-            </a:r>
-            <a:r>
-              <a:rPr lang="en-IN" sz="3500" dirty="0"/>
-              <a:t> 2016</a:t>
+              <a:t>    Parallel text from OpenSubtitles 2016</a:t>
             </a:r>
           </a:p>
           <a:p>
